--- a/Referat_BWP_KG_jorik.pptx
+++ b/Referat_BWP_KG_jorik.pptx
@@ -1403,7 +1403,7 @@
         <p:spPr>
           <a:xfrm>
             <a:off x="0" y="4824360"/>
-            <a:ext cx="9139320" cy="314280"/>
+            <a:ext cx="9138960" cy="313920"/>
           </a:xfrm>
           <a:prstGeom prst="rect">
             <a:avLst/>
@@ -1464,7 +1464,7 @@
         <p:spPr>
           <a:xfrm>
             <a:off x="8714160" y="4897080"/>
-            <a:ext cx="187200" cy="187200"/>
+            <a:ext cx="186840" cy="186840"/>
           </a:xfrm>
           <a:prstGeom prst="ellipse">
             <a:avLst/>
@@ -1500,7 +1500,7 @@
                 <a:spcPct val="100000"/>
               </a:lnSpc>
             </a:pPr>
-            <a:fld id="{46D7EDAE-24FE-4034-810C-94FEEBF5F4B0}" type="slidenum">
+            <a:fld id="{1F84679E-7078-49B7-AB12-C8B465A35C26}" type="slidenum">
               <a:rPr b="0" lang="en-US" sz="680" spc="-1" strike="noStrike">
                 <a:solidFill>
                   <a:srgbClr val="02d35f"/>
@@ -1545,13 +1545,7 @@
               <a:rPr b="0" lang="en-US" sz="4400" spc="-1" strike="noStrike">
                 <a:latin typeface="Arial"/>
               </a:rPr>
-              <a:t>Click to edit the title text </a:t>
-            </a:r>
-            <a:r>
-              <a:rPr b="0" lang="en-US" sz="4400" spc="-1" strike="noStrike">
-                <a:latin typeface="Arial"/>
-              </a:rPr>
-              <a:t>format</a:t>
+              <a:t>Click to edit the title text format</a:t>
             </a:r>
             <a:endParaRPr b="0" lang="en-US" sz="4400" spc="-1" strike="noStrike">
               <a:latin typeface="Arial"/>
@@ -1784,7 +1778,7 @@
         <p:spPr>
           <a:xfrm>
             <a:off x="874800" y="343080"/>
-            <a:ext cx="7961400" cy="581040"/>
+            <a:ext cx="7961040" cy="580680"/>
           </a:xfrm>
           <a:prstGeom prst="rect">
             <a:avLst/>
@@ -1810,7 +1804,7 @@
         <p:spPr>
           <a:xfrm>
             <a:off x="874800" y="1428480"/>
-            <a:ext cx="7961400" cy="3179880"/>
+            <a:ext cx="7961040" cy="3179520"/>
           </a:xfrm>
           <a:prstGeom prst="rect">
             <a:avLst/>
@@ -1836,7 +1830,7 @@
         <p:spPr>
           <a:xfrm>
             <a:off x="874800" y="343080"/>
-            <a:ext cx="7961400" cy="581040"/>
+            <a:ext cx="7961040" cy="580680"/>
           </a:xfrm>
           <a:prstGeom prst="rect">
             <a:avLst/>
@@ -1887,7 +1881,7 @@
         <p:spPr>
           <a:xfrm>
             <a:off x="822960" y="1188720"/>
-            <a:ext cx="7129800" cy="3579840"/>
+            <a:ext cx="7129440" cy="3579480"/>
           </a:xfrm>
           <a:prstGeom prst="rect">
             <a:avLst/>
@@ -1908,7 +1902,7 @@
             <a:noAutofit/>
           </a:bodyPr>
           <a:p>
-            <a:pPr marL="216000" indent="-216000">
+            <a:pPr marL="216000" indent="-215640">
               <a:lnSpc>
                 <a:spcPct val="100000"/>
               </a:lnSpc>
@@ -1921,7 +1915,7 @@
               <a:buClr>
                 <a:srgbClr val="000000"/>
               </a:buClr>
-              <a:buFont typeface="Symbol" charset="2"/>
+              <a:buFont typeface="Symbol"/>
               <a:buChar char=""/>
             </a:pPr>
             <a:r>
@@ -1936,11 +1930,10 @@
             </a:r>
             <a:endParaRPr b="0" lang="en-US" sz="1800" spc="-1" strike="noStrike">
               <a:latin typeface="Arial"/>
-              <a:ea typeface="Noto Sans CJK SC"/>
-            </a:endParaRPr>
-          </a:p>
-          <a:p>
-            <a:pPr marL="216000" indent="-216000">
+            </a:endParaRPr>
+          </a:p>
+          <a:p>
+            <a:pPr marL="216000" indent="-215640">
               <a:lnSpc>
                 <a:spcPct val="100000"/>
               </a:lnSpc>
@@ -1953,7 +1946,7 @@
               <a:buClr>
                 <a:srgbClr val="000000"/>
               </a:buClr>
-              <a:buFont typeface="Symbol" charset="2"/>
+              <a:buFont typeface="Symbol"/>
               <a:buChar char=""/>
             </a:pPr>
             <a:r>
@@ -1968,11 +1961,10 @@
             </a:r>
             <a:endParaRPr b="0" lang="en-US" sz="1800" spc="-1" strike="noStrike">
               <a:latin typeface="Arial"/>
-              <a:ea typeface="Noto Sans CJK SC"/>
-            </a:endParaRPr>
-          </a:p>
-          <a:p>
-            <a:pPr marL="216000" indent="-216000">
+            </a:endParaRPr>
+          </a:p>
+          <a:p>
+            <a:pPr marL="216000" indent="-215640">
               <a:lnSpc>
                 <a:spcPct val="100000"/>
               </a:lnSpc>
@@ -1985,7 +1977,7 @@
               <a:buClr>
                 <a:srgbClr val="000000"/>
               </a:buClr>
-              <a:buFont typeface="Symbol" charset="2"/>
+              <a:buFont typeface="Symbol"/>
               <a:buChar char=""/>
             </a:pPr>
             <a:r>
@@ -1996,11 +1988,10 @@
                 <a:latin typeface="Arial"/>
                 <a:ea typeface="DejaVu Sans"/>
               </a:rPr>
-              <a:t>Sehr flexibel und kann wachsen</a:t>
+              <a:t>Anzahl der Gesellschafter nicht begrenzt</a:t>
             </a:r>
             <a:endParaRPr b="0" lang="en-US" sz="1800" spc="-1" strike="noStrike">
               <a:latin typeface="Arial"/>
-              <a:ea typeface="Noto Sans CJK SC"/>
             </a:endParaRPr>
           </a:p>
           <a:p>
@@ -2261,7 +2252,7 @@
         <p:spPr>
           <a:xfrm>
             <a:off x="874800" y="343080"/>
-            <a:ext cx="7961400" cy="581040"/>
+            <a:ext cx="7961040" cy="580680"/>
           </a:xfrm>
           <a:prstGeom prst="rect">
             <a:avLst/>
@@ -2287,7 +2278,7 @@
         <p:spPr>
           <a:xfrm>
             <a:off x="874800" y="1381680"/>
-            <a:ext cx="3892320" cy="3278520"/>
+            <a:ext cx="3891960" cy="3278160"/>
           </a:xfrm>
           <a:prstGeom prst="rect">
             <a:avLst/>
@@ -2313,7 +2304,7 @@
         <p:spPr>
           <a:xfrm>
             <a:off x="874800" y="990360"/>
-            <a:ext cx="3892320" cy="324000"/>
+            <a:ext cx="3891960" cy="323640"/>
           </a:xfrm>
           <a:prstGeom prst="rect">
             <a:avLst/>
@@ -2339,7 +2330,7 @@
         <p:spPr>
           <a:xfrm>
             <a:off x="4943520" y="1382400"/>
-            <a:ext cx="3895920" cy="3278520"/>
+            <a:ext cx="3895560" cy="3278160"/>
           </a:xfrm>
           <a:prstGeom prst="rect">
             <a:avLst/>
@@ -2365,7 +2356,7 @@
         <p:spPr>
           <a:xfrm>
             <a:off x="4943520" y="990360"/>
-            <a:ext cx="3895920" cy="324000"/>
+            <a:ext cx="3895560" cy="323640"/>
           </a:xfrm>
           <a:prstGeom prst="rect">
             <a:avLst/>
@@ -2391,7 +2382,7 @@
         <p:spPr>
           <a:xfrm>
             <a:off x="874800" y="343080"/>
-            <a:ext cx="7961400" cy="581040"/>
+            <a:ext cx="7961040" cy="580680"/>
           </a:xfrm>
           <a:prstGeom prst="rect">
             <a:avLst/>
@@ -2442,7 +2433,7 @@
         <p:spPr>
           <a:xfrm>
             <a:off x="822960" y="1188720"/>
-            <a:ext cx="7129800" cy="3159360"/>
+            <a:ext cx="7129440" cy="3159000"/>
           </a:xfrm>
           <a:prstGeom prst="rect">
             <a:avLst/>
@@ -2463,7 +2454,7 @@
             <a:noAutofit/>
           </a:bodyPr>
           <a:p>
-            <a:pPr marL="216000" indent="-216000">
+            <a:pPr marL="216000" indent="-215640">
               <a:lnSpc>
                 <a:spcPct val="100000"/>
               </a:lnSpc>
@@ -2476,7 +2467,7 @@
               <a:buClr>
                 <a:srgbClr val="000000"/>
               </a:buClr>
-              <a:buFont typeface="Symbol" charset="2"/>
+              <a:buFont typeface="Symbol"/>
               <a:buChar char=""/>
             </a:pPr>
             <a:r>
@@ -2491,11 +2482,10 @@
             </a:r>
             <a:endParaRPr b="0" lang="en-US" sz="1800" spc="-1" strike="noStrike">
               <a:latin typeface="Arial"/>
-              <a:ea typeface="Noto Sans CJK SC"/>
-            </a:endParaRPr>
-          </a:p>
-          <a:p>
-            <a:pPr marL="216000" indent="-216000">
+            </a:endParaRPr>
+          </a:p>
+          <a:p>
+            <a:pPr marL="216000" indent="-215640">
               <a:lnSpc>
                 <a:spcPct val="100000"/>
               </a:lnSpc>
@@ -2508,7 +2498,7 @@
               <a:buClr>
                 <a:srgbClr val="000000"/>
               </a:buClr>
-              <a:buFont typeface="Symbol" charset="2"/>
+              <a:buFont typeface="Symbol"/>
               <a:buChar char=""/>
             </a:pPr>
             <a:r>
@@ -2523,11 +2513,10 @@
             </a:r>
             <a:endParaRPr b="0" lang="en-US" sz="1800" spc="-1" strike="noStrike">
               <a:latin typeface="Arial"/>
-              <a:ea typeface="Noto Sans CJK SC"/>
-            </a:endParaRPr>
-          </a:p>
-          <a:p>
-            <a:pPr lvl="1" marL="432000" indent="-216000">
+            </a:endParaRPr>
+          </a:p>
+          <a:p>
+            <a:pPr lvl="1" marL="432000" indent="-215640">
               <a:lnSpc>
                 <a:spcPct val="100000"/>
               </a:lnSpc>
@@ -2541,7 +2530,7 @@
                 <a:srgbClr val="000000"/>
               </a:buClr>
               <a:buSzPct val="45000"/>
-              <a:buFont typeface="Symbol" charset="2"/>
+              <a:buFont typeface="Symbol"/>
               <a:buChar char=""/>
             </a:pPr>
             <a:r>
@@ -2556,11 +2545,10 @@
             </a:r>
             <a:endParaRPr b="0" lang="en-US" sz="1800" spc="-1" strike="noStrike">
               <a:latin typeface="Arial"/>
-              <a:ea typeface="Noto Sans CJK SC"/>
-            </a:endParaRPr>
-          </a:p>
-          <a:p>
-            <a:pPr lvl="1" marL="432000" indent="-216000">
+            </a:endParaRPr>
+          </a:p>
+          <a:p>
+            <a:pPr lvl="1" marL="432000" indent="-215640">
               <a:lnSpc>
                 <a:spcPct val="100000"/>
               </a:lnSpc>
@@ -2574,7 +2562,7 @@
                 <a:srgbClr val="000000"/>
               </a:buClr>
               <a:buSzPct val="45000"/>
-              <a:buFont typeface="Symbol" charset="2"/>
+              <a:buFont typeface="Symbol"/>
               <a:buChar char=""/>
             </a:pPr>
             <a:r>
@@ -2589,11 +2577,10 @@
             </a:r>
             <a:endParaRPr b="0" lang="en-US" sz="1800" spc="-1" strike="noStrike">
               <a:latin typeface="Arial"/>
-              <a:ea typeface="Noto Sans CJK SC"/>
-            </a:endParaRPr>
-          </a:p>
-          <a:p>
-            <a:pPr marL="216000" indent="-216000">
+            </a:endParaRPr>
+          </a:p>
+          <a:p>
+            <a:pPr marL="216000" indent="-215640">
               <a:lnSpc>
                 <a:spcPct val="100000"/>
               </a:lnSpc>
@@ -2606,7 +2593,7 @@
               <a:buClr>
                 <a:srgbClr val="000000"/>
               </a:buClr>
-              <a:buFont typeface="Symbol" charset="2"/>
+              <a:buFont typeface="Symbol"/>
               <a:buChar char=""/>
             </a:pPr>
             <a:r>
@@ -2621,11 +2608,10 @@
             </a:r>
             <a:endParaRPr b="0" lang="en-US" sz="1800" spc="-1" strike="noStrike">
               <a:latin typeface="Arial"/>
-              <a:ea typeface="Noto Sans CJK SC"/>
-            </a:endParaRPr>
-          </a:p>
-          <a:p>
-            <a:pPr lvl="1" marL="432000" indent="-216000">
+            </a:endParaRPr>
+          </a:p>
+          <a:p>
+            <a:pPr lvl="1" marL="432000" indent="-215640">
               <a:lnSpc>
                 <a:spcPct val="100000"/>
               </a:lnSpc>
@@ -2639,7 +2625,7 @@
                 <a:srgbClr val="000000"/>
               </a:buClr>
               <a:buSzPct val="45000"/>
-              <a:buFont typeface="Symbol" charset="2"/>
+              <a:buFont typeface="Symbol"/>
               <a:buChar char=""/>
             </a:pPr>
             <a:r>
@@ -2654,7 +2640,6 @@
             </a:r>
             <a:endParaRPr b="0" lang="en-US" sz="1800" spc="-1" strike="noStrike">
               <a:latin typeface="Arial"/>
-              <a:ea typeface="Noto Sans CJK SC"/>
             </a:endParaRPr>
           </a:p>
         </p:txBody>
@@ -2995,7 +2980,7 @@
         <p:spPr>
           <a:xfrm>
             <a:off x="874800" y="343080"/>
-            <a:ext cx="7961400" cy="581040"/>
+            <a:ext cx="7961040" cy="580680"/>
           </a:xfrm>
           <a:prstGeom prst="rect">
             <a:avLst/>
@@ -3021,7 +3006,7 @@
         <p:spPr>
           <a:xfrm>
             <a:off x="874800" y="1381680"/>
-            <a:ext cx="3892320" cy="3278520"/>
+            <a:ext cx="3891960" cy="3278160"/>
           </a:xfrm>
           <a:prstGeom prst="rect">
             <a:avLst/>
@@ -3047,7 +3032,7 @@
         <p:spPr>
           <a:xfrm>
             <a:off x="874800" y="990360"/>
-            <a:ext cx="3892320" cy="324000"/>
+            <a:ext cx="3891960" cy="323640"/>
           </a:xfrm>
           <a:prstGeom prst="rect">
             <a:avLst/>
@@ -3073,7 +3058,7 @@
         <p:spPr>
           <a:xfrm>
             <a:off x="4943520" y="1382400"/>
-            <a:ext cx="3895920" cy="3278520"/>
+            <a:ext cx="3895560" cy="3278160"/>
           </a:xfrm>
           <a:prstGeom prst="rect">
             <a:avLst/>
@@ -3099,7 +3084,7 @@
         <p:spPr>
           <a:xfrm>
             <a:off x="4943520" y="990360"/>
-            <a:ext cx="3895920" cy="324000"/>
+            <a:ext cx="3895560" cy="323640"/>
           </a:xfrm>
           <a:prstGeom prst="rect">
             <a:avLst/>
@@ -3125,7 +3110,7 @@
         <p:spPr>
           <a:xfrm>
             <a:off x="874800" y="343080"/>
-            <a:ext cx="7961400" cy="581040"/>
+            <a:ext cx="7961040" cy="580680"/>
           </a:xfrm>
           <a:prstGeom prst="rect">
             <a:avLst/>
@@ -3176,7 +3161,7 @@
         <p:spPr>
           <a:xfrm>
             <a:off x="822960" y="1188720"/>
-            <a:ext cx="7129800" cy="3139920"/>
+            <a:ext cx="7129440" cy="3139560"/>
           </a:xfrm>
           <a:prstGeom prst="rect">
             <a:avLst/>
@@ -3197,7 +3182,7 @@
             <a:noAutofit/>
           </a:bodyPr>
           <a:p>
-            <a:pPr marL="216000" indent="-216000">
+            <a:pPr marL="216000" indent="-215640">
               <a:lnSpc>
                 <a:spcPct val="100000"/>
               </a:lnSpc>
@@ -3210,7 +3195,7 @@
               <a:buClr>
                 <a:srgbClr val="000000"/>
               </a:buClr>
-              <a:buFont typeface="Symbol" charset="2"/>
+              <a:buFont typeface="Symbol"/>
               <a:buChar char=""/>
             </a:pPr>
             <a:r>
@@ -3225,11 +3210,10 @@
             </a:r>
             <a:endParaRPr b="0" lang="en-US" sz="2000" spc="-1" strike="noStrike">
               <a:latin typeface="Arial"/>
-              <a:ea typeface="Noto Sans CJK SC"/>
-            </a:endParaRPr>
-          </a:p>
-          <a:p>
-            <a:pPr lvl="1" marL="432000" indent="-216000">
+            </a:endParaRPr>
+          </a:p>
+          <a:p>
+            <a:pPr lvl="1" marL="432000" indent="-215640">
               <a:lnSpc>
                 <a:spcPct val="100000"/>
               </a:lnSpc>
@@ -3243,7 +3227,7 @@
                 <a:srgbClr val="000000"/>
               </a:buClr>
               <a:buSzPct val="45000"/>
-              <a:buFont typeface="Symbol" charset="2"/>
+              <a:buFont typeface="Symbol"/>
               <a:buChar char=""/>
             </a:pPr>
             <a:r>
@@ -3258,11 +3242,10 @@
             </a:r>
             <a:endParaRPr b="0" lang="en-US" sz="2000" spc="-1" strike="noStrike">
               <a:latin typeface="Arial"/>
-              <a:ea typeface="Noto Sans CJK SC"/>
-            </a:endParaRPr>
-          </a:p>
-          <a:p>
-            <a:pPr lvl="1" marL="432000" indent="-216000">
+            </a:endParaRPr>
+          </a:p>
+          <a:p>
+            <a:pPr lvl="1" marL="432000" indent="-215640">
               <a:lnSpc>
                 <a:spcPct val="100000"/>
               </a:lnSpc>
@@ -3276,7 +3259,7 @@
                 <a:srgbClr val="000000"/>
               </a:buClr>
               <a:buSzPct val="45000"/>
-              <a:buFont typeface="Symbol" charset="2"/>
+              <a:buFont typeface="Symbol"/>
               <a:buChar char=""/>
             </a:pPr>
             <a:r>
@@ -3291,7 +3274,6 @@
             </a:r>
             <a:endParaRPr b="0" lang="en-US" sz="2000" spc="-1" strike="noStrike">
               <a:latin typeface="Arial"/>
-              <a:ea typeface="Noto Sans CJK SC"/>
             </a:endParaRPr>
           </a:p>
           <a:p>
